--- a/docs/DGetStarted.pptx
+++ b/docs/DGetStarted.pptx
@@ -213,7 +213,7 @@
           <a:p>
             <a:fld id="{4D2A5A54-57FA-4281-A6F5-1860CF48FA07}" type="datetimeFigureOut">
               <a:rPr lang="en-US" smtClean="0"/>
-              <a:t>1/7/2020</a:t>
+              <a:t>1/25/2021</a:t>
             </a:fld>
             <a:endParaRPr lang="en-US"/>
           </a:p>
@@ -16551,7 +16551,7 @@
         </p:blipFill>
         <p:spPr>
           <a:xfrm>
-            <a:off x="563391" y="3429000"/>
+            <a:off x="605293" y="3553689"/>
             <a:ext cx="5490707" cy="3217389"/>
           </a:xfrm>
           <a:prstGeom prst="rect">
@@ -16668,7 +16668,7 @@
         </p:nvSpPr>
         <p:spPr>
           <a:xfrm>
-            <a:off x="1857750" y="1967651"/>
+            <a:off x="1857750" y="1897311"/>
             <a:ext cx="5490706" cy="389209"/>
           </a:xfrm>
           <a:prstGeom prst="rect">
@@ -16703,7 +16703,7 @@
         </p:nvSpPr>
         <p:spPr>
           <a:xfrm>
-            <a:off x="1857749" y="2277235"/>
+            <a:off x="1857749" y="2206895"/>
             <a:ext cx="5619899" cy="686085"/>
           </a:xfrm>
           <a:prstGeom prst="rect">
@@ -16749,8 +16749,8 @@
         </p:nvSpPr>
         <p:spPr>
           <a:xfrm>
-            <a:off x="1857748" y="2867604"/>
-            <a:ext cx="4435630" cy="389209"/>
+            <a:off x="1857748" y="2797264"/>
+            <a:ext cx="4435630" cy="686085"/>
           </a:xfrm>
           <a:prstGeom prst="rect">
             <a:avLst/>
@@ -16771,7 +16771,7 @@
               <a:rPr lang="en-US" sz="1929" dirty="0">
                 <a:latin typeface="Calibri"/>
               </a:rPr>
-              <a:t>Open-licensed Bible translation(s)</a:t>
+              <a:t>Open copyright licensed Bible translation(s)</a:t>
             </a:r>
           </a:p>
         </p:txBody>
@@ -16808,7 +16808,7 @@
         </p:nvSpPr>
         <p:spPr>
           <a:xfrm>
-            <a:off x="1786424" y="1621022"/>
+            <a:off x="1786424" y="1550682"/>
             <a:ext cx="2816679" cy="389209"/>
           </a:xfrm>
           <a:prstGeom prst="rect">
@@ -16846,7 +16846,7 @@
         </p:nvSpPr>
         <p:spPr>
           <a:xfrm>
-            <a:off x="950519" y="1211711"/>
+            <a:off x="950519" y="1141371"/>
             <a:ext cx="10312791" cy="461665"/>
           </a:xfrm>
           <a:prstGeom prst="rect">
@@ -19216,6 +19216,12 @@
 </file>
 
 <file path=customXml/item1.xml><?xml version="1.0" encoding="utf-8"?>
+<p:properties xmlns:p="http://schemas.microsoft.com/office/2006/metadata/properties" xmlns:xsi="http://www.w3.org/2001/XMLSchema-instance" xmlns:pc="http://schemas.microsoft.com/office/infopath/2007/PartnerControls">
+  <documentManagement/>
+</p:properties>
+</file>
+
+<file path=customXml/item2.xml><?xml version="1.0" encoding="utf-8"?>
 <ct:contentTypeSchema xmlns:ct="http://schemas.microsoft.com/office/2006/metadata/contentType" xmlns:ma="http://schemas.microsoft.com/office/2006/metadata/properties/metaAttributes" ct:_="" ma:_="" ma:contentTypeName="Document" ma:contentTypeID="0x0101005AB3623AC358204B8459D60480BA9C2B" ma:contentTypeVersion="12" ma:contentTypeDescription="Create a new document." ma:contentTypeScope="" ma:versionID="d3005fe9c78495323023aeced5280a50">
   <xsd:schema xmlns:xsd="http://www.w3.org/2001/XMLSchema" xmlns:xs="http://www.w3.org/2001/XMLSchema" xmlns:p="http://schemas.microsoft.com/office/2006/metadata/properties" xmlns:ns3="e6b6b08c-4e37-4703-b140-b9e21b970c4f" xmlns:ns4="63ebc9d3-73c5-43d0-b794-270dc3c2d1a0" targetNamespace="http://schemas.microsoft.com/office/2006/metadata/properties" ma:root="true" ma:fieldsID="0b9151cbda91d7d860fe7297b2c5ad24" ns3:_="" ns4:_="">
     <xsd:import namespace="e6b6b08c-4e37-4703-b140-b9e21b970c4f"/>
@@ -19432,12 +19438,6 @@
 </ct:contentTypeSchema>
 </file>
 
-<file path=customXml/item2.xml><?xml version="1.0" encoding="utf-8"?>
-<p:properties xmlns:p="http://schemas.microsoft.com/office/2006/metadata/properties" xmlns:xsi="http://www.w3.org/2001/XMLSchema-instance" xmlns:pc="http://schemas.microsoft.com/office/infopath/2007/PartnerControls">
-  <documentManagement/>
-</p:properties>
-</file>
-
 <file path=customXml/item3.xml><?xml version="1.0" encoding="utf-8"?>
 <?mso-contentType ?>
 <FormTemplates xmlns="http://schemas.microsoft.com/sharepoint/v3/contenttype/forms">
@@ -19448,6 +19448,23 @@
 </file>
 
 <file path=customXml/itemProps1.xml><?xml version="1.0" encoding="utf-8"?>
+<ds:datastoreItem xmlns:ds="http://schemas.openxmlformats.org/officeDocument/2006/customXml" ds:itemID="{D6405D58-8AA8-4FB2-A549-3AE7234CE79B}">
+  <ds:schemaRefs>
+    <ds:schemaRef ds:uri="http://schemas.microsoft.com/office/2006/documentManagement/types"/>
+    <ds:schemaRef ds:uri="http://schemas.microsoft.com/office/infopath/2007/PartnerControls"/>
+    <ds:schemaRef ds:uri="http://purl.org/dc/elements/1.1/"/>
+    <ds:schemaRef ds:uri="http://schemas.microsoft.com/office/2006/metadata/properties"/>
+    <ds:schemaRef ds:uri="http://purl.org/dc/terms/"/>
+    <ds:schemaRef ds:uri="http://schemas.openxmlformats.org/package/2006/metadata/core-properties"/>
+    <ds:schemaRef ds:uri="63ebc9d3-73c5-43d0-b794-270dc3c2d1a0"/>
+    <ds:schemaRef ds:uri="e6b6b08c-4e37-4703-b140-b9e21b970c4f"/>
+    <ds:schemaRef ds:uri="http://www.w3.org/XML/1998/namespace"/>
+    <ds:schemaRef ds:uri="http://purl.org/dc/dcmitype/"/>
+  </ds:schemaRefs>
+</ds:datastoreItem>
+</file>
+
+<file path=customXml/itemProps2.xml><?xml version="1.0" encoding="utf-8"?>
 <ds:datastoreItem xmlns:ds="http://schemas.openxmlformats.org/officeDocument/2006/customXml" ds:itemID="{EEEB1E18-1527-4724-AEDB-E4EBC76D73AB}">
   <ds:schemaRefs>
     <ds:schemaRef ds:uri="http://schemas.microsoft.com/office/2006/metadata/contentType"/>
@@ -19466,23 +19483,6 @@
 </ds:datastoreItem>
 </file>
 
-<file path=customXml/itemProps2.xml><?xml version="1.0" encoding="utf-8"?>
-<ds:datastoreItem xmlns:ds="http://schemas.openxmlformats.org/officeDocument/2006/customXml" ds:itemID="{D6405D58-8AA8-4FB2-A549-3AE7234CE79B}">
-  <ds:schemaRefs>
-    <ds:schemaRef ds:uri="http://schemas.microsoft.com/office/2006/documentManagement/types"/>
-    <ds:schemaRef ds:uri="http://schemas.microsoft.com/office/infopath/2007/PartnerControls"/>
-    <ds:schemaRef ds:uri="http://purl.org/dc/elements/1.1/"/>
-    <ds:schemaRef ds:uri="http://schemas.microsoft.com/office/2006/metadata/properties"/>
-    <ds:schemaRef ds:uri="http://purl.org/dc/terms/"/>
-    <ds:schemaRef ds:uri="http://schemas.openxmlformats.org/package/2006/metadata/core-properties"/>
-    <ds:schemaRef ds:uri="63ebc9d3-73c5-43d0-b794-270dc3c2d1a0"/>
-    <ds:schemaRef ds:uri="e6b6b08c-4e37-4703-b140-b9e21b970c4f"/>
-    <ds:schemaRef ds:uri="http://www.w3.org/XML/1998/namespace"/>
-    <ds:schemaRef ds:uri="http://purl.org/dc/dcmitype/"/>
-  </ds:schemaRefs>
-</ds:datastoreItem>
-</file>
-
 <file path=customXml/itemProps3.xml><?xml version="1.0" encoding="utf-8"?>
 <ds:datastoreItem xmlns:ds="http://schemas.openxmlformats.org/officeDocument/2006/customXml" ds:itemID="{64CFF4CB-2157-4462-882E-7C7509AE6A60}">
   <ds:schemaRefs>
